--- a/Film/Presentatie filmpje.pptx
+++ b/Film/Presentatie filmpje.pptx
@@ -5,7 +5,7 @@
     <p:sldMasterId id="2147483648" r:id="rId1"/>
   </p:sldMasterIdLst>
   <p:sldIdLst>
-    <p:sldId id="256" r:id="rId2"/>
+    <p:sldId id="257" r:id="rId2"/>
   </p:sldIdLst>
   <p:sldSz cx="12192000" cy="6858000"/>
   <p:notesSz cx="6858000" cy="9144000"/>
@@ -104,6 +104,11 @@
       </a:defRPr>
     </a:lvl9pPr>
   </p:defaultTextStyle>
+  <p:extLst>
+    <p:ext uri="{EFAFB233-063F-42B5-8137-9DF3F51BA10A}">
+      <p15:sldGuideLst xmlns:p15="http://schemas.microsoft.com/office/powerpoint/2012/main"/>
+    </p:ext>
+  </p:extLst>
 </p:presentation>
 </file>
 
@@ -2943,17 +2948,82 @@
           <a:chExt cx="0" cy="0"/>
         </a:xfrm>
       </p:grpSpPr>
+      <p:sp>
+        <p:nvSpPr>
+          <p:cNvPr id="3" name="Tijdelijke aanduiding voor inhoud 2"/>
+          <p:cNvSpPr>
+            <a:spLocks noGrp="1"/>
+          </p:cNvSpPr>
+          <p:nvPr>
+            <p:ph idx="1"/>
+          </p:nvPr>
+        </p:nvSpPr>
+        <p:spPr>
+          <a:xfrm>
+            <a:off x="5817704" y="1759139"/>
+            <a:ext cx="5897218" cy="3126760"/>
+          </a:xfrm>
+        </p:spPr>
+        <p:txBody>
+          <a:bodyPr/>
+          <a:lstStyle/>
+          <a:p>
+            <a:r>
+              <a:rPr lang="nl-NL" dirty="0"/>
+              <a:t>37 is ongelukkig en verhuist</a:t>
+            </a:r>
+          </a:p>
+          <a:p>
+            <a:r>
+              <a:rPr lang="nl-NL" dirty="0"/>
+              <a:t>38 verhuist naar dichtstbijzijnde plek</a:t>
+            </a:r>
+          </a:p>
+          <a:p>
+            <a:r>
+              <a:rPr lang="nl-NL" dirty="0"/>
+              <a:t>37 verhuist naar 38</a:t>
+            </a:r>
+          </a:p>
+          <a:p>
+            <a:r>
+              <a:rPr lang="nl-NL" dirty="0"/>
+              <a:t>38 verliest </a:t>
+            </a:r>
+            <a:r>
+              <a:rPr lang="nl-NL" dirty="0" err="1"/>
+              <a:t>happiness</a:t>
+            </a:r>
+            <a:r>
+              <a:rPr lang="nl-NL" dirty="0"/>
+              <a:t> en verhuist</a:t>
+            </a:r>
+          </a:p>
+          <a:p>
+            <a:r>
+              <a:rPr lang="nl-NL" dirty="0"/>
+              <a:t>37 verhuist naar dichtstbijzijnde plek</a:t>
+            </a:r>
+          </a:p>
+          <a:p>
+            <a:r>
+              <a:rPr lang="nl-NL" dirty="0"/>
+              <a:t>38 verhuist naar 37</a:t>
+            </a:r>
+          </a:p>
+        </p:txBody>
+      </p:sp>
       <p:grpSp>
         <p:nvGrpSpPr>
-          <p:cNvPr id="10" name="Groep 9"/>
+          <p:cNvPr id="4" name="Groep 3"/>
           <p:cNvGrpSpPr/>
           <p:nvPr/>
         </p:nvGrpSpPr>
         <p:grpSpPr>
           <a:xfrm>
-            <a:off x="242042" y="1033652"/>
+            <a:off x="282520" y="1033652"/>
             <a:ext cx="5076825" cy="5076825"/>
-            <a:chOff x="5937243" y="889663"/>
+            <a:chOff x="5977721" y="889663"/>
             <a:chExt cx="5076825" cy="5076825"/>
           </a:xfrm>
         </p:grpSpPr>
@@ -2979,7 +3049,7 @@
           </p:blipFill>
           <p:spPr>
             <a:xfrm>
-              <a:off x="5937243" y="889663"/>
+              <a:off x="5977721" y="889663"/>
               <a:ext cx="5076825" cy="5076825"/>
             </a:xfrm>
             <a:prstGeom prst="rect">
@@ -2989,7 +3059,7 @@
         </p:pic>
         <p:sp>
           <p:nvSpPr>
-            <p:cNvPr id="8" name="Rechthoek 7"/>
+            <p:cNvPr id="6" name="Rechthoek 5"/>
             <p:cNvSpPr/>
             <p:nvPr/>
           </p:nvSpPr>
@@ -3030,7 +3100,7 @@
         </p:sp>
         <p:sp>
           <p:nvSpPr>
-            <p:cNvPr id="9" name="Rechthoek 8"/>
+            <p:cNvPr id="7" name="Rechthoek 6"/>
             <p:cNvSpPr/>
             <p:nvPr/>
           </p:nvSpPr>
@@ -3072,7 +3142,7 @@
       </p:grpSp>
       <p:pic>
         <p:nvPicPr>
-          <p:cNvPr id="7" name="Afbeelding 6"/>
+          <p:cNvPr id="8" name="Afbeelding 7"/>
           <p:cNvPicPr>
             <a:picLocks noChangeAspect="1"/>
           </p:cNvPicPr>
@@ -3091,7 +3161,7 @@
         </p:blipFill>
         <p:spPr>
           <a:xfrm>
-            <a:off x="282520" y="1033652"/>
+            <a:off x="342122" y="1061634"/>
             <a:ext cx="600501" cy="423081"/>
           </a:xfrm>
           <a:prstGeom prst="rect">
@@ -3101,7 +3171,7 @@
       </p:pic>
       <p:pic>
         <p:nvPicPr>
-          <p:cNvPr id="12" name="Afbeelding 11"/>
+          <p:cNvPr id="9" name="Afbeelding 8"/>
           <p:cNvPicPr>
             <a:picLocks noChangeAspect="1"/>
           </p:cNvPicPr>
@@ -3120,7 +3190,7 @@
         </p:blipFill>
         <p:spPr>
           <a:xfrm>
-            <a:off x="1088200" y="2169377"/>
+            <a:off x="1156440" y="2162861"/>
             <a:ext cx="586855" cy="422465"/>
           </a:xfrm>
           <a:prstGeom prst="rect">
@@ -3128,39 +3198,47 @@
           </a:prstGeom>
         </p:spPr>
       </p:pic>
-      <p:pic>
-        <p:nvPicPr>
-          <p:cNvPr id="14" name="Afbeelding 13"/>
-          <p:cNvPicPr>
-            <a:picLocks noChangeAspect="1"/>
-          </p:cNvPicPr>
+      <p:sp>
+        <p:nvSpPr>
+          <p:cNvPr id="10" name="Tekstvak 9"/>
+          <p:cNvSpPr txBox="1"/>
           <p:nvPr/>
-        </p:nvPicPr>
-        <p:blipFill rotWithShape="1">
-          <a:blip r:embed="rId3">
-            <a:extLst>
-              <a:ext uri="{28A0092B-C50C-407E-A947-70E740481C1C}">
-                <a14:useLocalDpi xmlns:a14="http://schemas.microsoft.com/office/drawing/2010/main" val="0"/>
-              </a:ext>
-            </a:extLst>
-          </a:blip>
-          <a:srcRect r="55018" b="60282"/>
-          <a:stretch/>
-        </p:blipFill>
+        </p:nvSpPr>
         <p:spPr>
           <a:xfrm>
-            <a:off x="6041481" y="931531"/>
-            <a:ext cx="2283654" cy="2016386"/>
+            <a:off x="5817704" y="4804011"/>
+            <a:ext cx="4462817" cy="584775"/>
           </a:xfrm>
           <a:prstGeom prst="rect">
             <a:avLst/>
           </a:prstGeom>
+          <a:noFill/>
         </p:spPr>
-      </p:pic>
+        <p:txBody>
+          <a:bodyPr wrap="square" rtlCol="0">
+            <a:spAutoFit/>
+          </a:bodyPr>
+          <a:lstStyle/>
+          <a:p>
+            <a:r>
+              <a:rPr lang="nl-NL" sz="2900" dirty="0"/>
+              <a:t>Dit proces </a:t>
+            </a:r>
+            <a:r>
+              <a:rPr lang="nl-NL" sz="3200" dirty="0"/>
+              <a:t>herhaalt</a:t>
+            </a:r>
+            <a:r>
+              <a:rPr lang="nl-NL" sz="2900" dirty="0"/>
+              <a:t> zich</a:t>
+            </a:r>
+          </a:p>
+        </p:txBody>
+      </p:sp>
     </p:spTree>
     <p:extLst>
       <p:ext uri="{BB962C8B-B14F-4D97-AF65-F5344CB8AC3E}">
-        <p14:creationId xmlns:p14="http://schemas.microsoft.com/office/powerpoint/2010/main" val="3788777922"/>
+        <p14:creationId xmlns:p14="http://schemas.microsoft.com/office/powerpoint/2010/main" val="1953824883"/>
       </p:ext>
     </p:extLst>
   </p:cSld>
@@ -3188,143 +3266,481 @@
                             </p:stCondLst>
                             <p:childTnLst>
                               <p:par>
-                                <p:cTn id="5" presetID="49" presetClass="path" presetSubtype="0" accel="50000" decel="50000" fill="hold" nodeType="clickEffect">
+                                <p:cTn id="5" presetID="42" presetClass="path" presetSubtype="0" accel="50000" decel="50000" fill="hold" nodeType="clickEffect">
                                   <p:stCondLst>
                                     <p:cond delay="0"/>
                                   </p:stCondLst>
                                   <p:childTnLst>
-                                    <p:animMotion origin="layout" path="M 3.54167E-6 -1.48148E-6 L 0.06302 0.08658 " pathEditMode="relative" rAng="0" ptsTypes="AA">
+                                    <p:animMotion origin="layout" path="M -4.375E-6 1.85185E-6 L 0.07006 0.08079 " pathEditMode="relative" rAng="0" ptsTypes="AA">
                                       <p:cBhvr>
                                         <p:cTn id="6" dur="2000" fill="hold"/>
                                         <p:tgtEl>
-                                          <p:spTgt spid="7"/>
+                                          <p:spTgt spid="8"/>
                                         </p:tgtEl>
                                         <p:attrNameLst>
                                           <p:attrName>ppt_x</p:attrName>
                                           <p:attrName>ppt_y</p:attrName>
                                         </p:attrNameLst>
                                       </p:cBhvr>
-                                      <p:rCtr x="3151" y="4329"/>
+                                      <p:rCtr x="3503" y="4028"/>
                                     </p:animMotion>
+                                  </p:childTnLst>
+                                </p:cTn>
+                              </p:par>
+                              <p:par>
+                                <p:cTn id="7" presetID="10" presetClass="entr" presetSubtype="0" fill="hold" grpId="0" nodeType="withEffect">
+                                  <p:stCondLst>
+                                    <p:cond delay="0"/>
+                                  </p:stCondLst>
+                                  <p:childTnLst>
+                                    <p:set>
+                                      <p:cBhvr>
+                                        <p:cTn id="8" dur="1" fill="hold">
+                                          <p:stCondLst>
+                                            <p:cond delay="0"/>
+                                          </p:stCondLst>
+                                        </p:cTn>
+                                        <p:tgtEl>
+                                          <p:spTgt spid="3">
+                                            <p:txEl>
+                                              <p:pRg st="0" end="0"/>
+                                            </p:txEl>
+                                          </p:spTgt>
+                                        </p:tgtEl>
+                                        <p:attrNameLst>
+                                          <p:attrName>style.visibility</p:attrName>
+                                        </p:attrNameLst>
+                                      </p:cBhvr>
+                                      <p:to>
+                                        <p:strVal val="visible"/>
+                                      </p:to>
+                                    </p:set>
+                                    <p:animEffect transition="in" filter="fade">
+                                      <p:cBhvr>
+                                        <p:cTn id="9" dur="500"/>
+                                        <p:tgtEl>
+                                          <p:spTgt spid="3">
+                                            <p:txEl>
+                                              <p:pRg st="0" end="0"/>
+                                            </p:txEl>
+                                          </p:spTgt>
+                                        </p:tgtEl>
+                                      </p:cBhvr>
+                                    </p:animEffect>
                                   </p:childTnLst>
                                 </p:cTn>
                               </p:par>
                             </p:childTnLst>
                           </p:cTn>
                         </p:par>
-                      </p:childTnLst>
-                    </p:cTn>
-                  </p:par>
-                  <p:par>
-                    <p:cTn id="7" fill="hold">
-                      <p:stCondLst>
-                        <p:cond delay="indefinite"/>
-                      </p:stCondLst>
-                      <p:childTnLst>
                         <p:par>
-                          <p:cTn id="8" fill="hold">
+                          <p:cTn id="10" fill="hold">
                             <p:stCondLst>
-                              <p:cond delay="0"/>
+                              <p:cond delay="2000"/>
                             </p:stCondLst>
                             <p:childTnLst>
                               <p:par>
-                                <p:cTn id="9" presetID="56" presetClass="path" presetSubtype="0" accel="50000" decel="50000" fill="hold" nodeType="clickEffect">
+                                <p:cTn id="11" presetID="56" presetClass="path" presetSubtype="0" accel="50000" decel="50000" fill="hold" nodeType="afterEffect">
                                   <p:stCondLst>
-                                    <p:cond delay="0"/>
+                                    <p:cond delay="1000"/>
                                   </p:stCondLst>
                                   <p:childTnLst>
-                                    <p:animMotion origin="layout" path="M -4.79167E-6 4.81481E-6 L -0.06497 -0.16644 " pathEditMode="relative" rAng="0" ptsTypes="AA">
+                                    <p:animMotion origin="layout" path="M -2.08333E-7 -4.81481E-6 L -0.05729 -0.16087 " pathEditMode="relative" rAng="0" ptsTypes="AA">
                                       <p:cBhvr>
-                                        <p:cTn id="10" dur="2000" fill="hold"/>
+                                        <p:cTn id="12" dur="2000" fill="hold"/>
                                         <p:tgtEl>
-                                          <p:spTgt spid="12"/>
+                                          <p:spTgt spid="9"/>
                                         </p:tgtEl>
                                         <p:attrNameLst>
                                           <p:attrName>ppt_x</p:attrName>
                                           <p:attrName>ppt_y</p:attrName>
                                         </p:attrNameLst>
                                       </p:cBhvr>
-                                      <p:rCtr x="-3255" y="-8333"/>
+                                      <p:rCtr x="-2865" y="-8056"/>
                                     </p:animMotion>
+                                  </p:childTnLst>
+                                </p:cTn>
+                              </p:par>
+                              <p:par>
+                                <p:cTn id="13" presetID="10" presetClass="entr" presetSubtype="0" fill="hold" grpId="0" nodeType="withEffect">
+                                  <p:stCondLst>
+                                    <p:cond delay="0"/>
+                                  </p:stCondLst>
+                                  <p:childTnLst>
+                                    <p:set>
+                                      <p:cBhvr>
+                                        <p:cTn id="14" dur="1" fill="hold">
+                                          <p:stCondLst>
+                                            <p:cond delay="0"/>
+                                          </p:stCondLst>
+                                        </p:cTn>
+                                        <p:tgtEl>
+                                          <p:spTgt spid="3">
+                                            <p:txEl>
+                                              <p:pRg st="1" end="1"/>
+                                            </p:txEl>
+                                          </p:spTgt>
+                                        </p:tgtEl>
+                                        <p:attrNameLst>
+                                          <p:attrName>style.visibility</p:attrName>
+                                        </p:attrNameLst>
+                                      </p:cBhvr>
+                                      <p:to>
+                                        <p:strVal val="visible"/>
+                                      </p:to>
+                                    </p:set>
+                                    <p:animEffect transition="in" filter="fade">
+                                      <p:cBhvr>
+                                        <p:cTn id="15" dur="500"/>
+                                        <p:tgtEl>
+                                          <p:spTgt spid="3">
+                                            <p:txEl>
+                                              <p:pRg st="1" end="1"/>
+                                            </p:txEl>
+                                          </p:spTgt>
+                                        </p:tgtEl>
+                                      </p:cBhvr>
+                                    </p:animEffect>
                                   </p:childTnLst>
                                 </p:cTn>
                               </p:par>
                             </p:childTnLst>
                           </p:cTn>
                         </p:par>
-                      </p:childTnLst>
-                    </p:cTn>
-                  </p:par>
-                  <p:par>
-                    <p:cTn id="11" fill="hold">
-                      <p:stCondLst>
-                        <p:cond delay="indefinite"/>
-                      </p:stCondLst>
-                      <p:childTnLst>
                         <p:par>
-                          <p:cTn id="12" fill="hold">
+                          <p:cTn id="16" fill="hold">
                             <p:stCondLst>
-                              <p:cond delay="0"/>
+                              <p:cond delay="5000"/>
                             </p:stCondLst>
                             <p:childTnLst>
                               <p:par>
-                                <p:cTn id="13" presetID="42" presetClass="path" presetSubtype="0" accel="50000" decel="50000" fill="hold" nodeType="clickEffect">
+                                <p:cTn id="17" presetID="42" presetClass="path" presetSubtype="0" accel="50000" decel="50000" fill="hold" nodeType="afterEffect">
                                   <p:stCondLst>
-                                    <p:cond delay="0"/>
+                                    <p:cond delay="1000"/>
                                   </p:stCondLst>
                                   <p:childTnLst>
-                                    <p:animMotion origin="layout" path="M 0.06302 0.08658 L 0.06302 0.1588 " pathEditMode="relative" rAng="0" ptsTypes="AA">
+                                    <p:animMotion origin="layout" path="M 0.07006 0.08079 L 0.07006 0.15949 " pathEditMode="relative" rAng="0" ptsTypes="AA">
                                       <p:cBhvr>
-                                        <p:cTn id="14" dur="2000" fill="hold"/>
+                                        <p:cTn id="18" dur="2000" fill="hold"/>
                                         <p:tgtEl>
-                                          <p:spTgt spid="7"/>
+                                          <p:spTgt spid="8"/>
                                         </p:tgtEl>
                                         <p:attrNameLst>
                                           <p:attrName>ppt_x</p:attrName>
                                           <p:attrName>ppt_y</p:attrName>
                                         </p:attrNameLst>
                                       </p:cBhvr>
-                                      <p:rCtr x="0" y="3611"/>
+                                      <p:rCtr x="0" y="3935"/>
                                     </p:animMotion>
+                                  </p:childTnLst>
+                                </p:cTn>
+                              </p:par>
+                              <p:par>
+                                <p:cTn id="19" presetID="10" presetClass="entr" presetSubtype="0" fill="hold" grpId="0" nodeType="withEffect">
+                                  <p:stCondLst>
+                                    <p:cond delay="0"/>
+                                  </p:stCondLst>
+                                  <p:childTnLst>
+                                    <p:set>
+                                      <p:cBhvr>
+                                        <p:cTn id="20" dur="1" fill="hold">
+                                          <p:stCondLst>
+                                            <p:cond delay="0"/>
+                                          </p:stCondLst>
+                                        </p:cTn>
+                                        <p:tgtEl>
+                                          <p:spTgt spid="3">
+                                            <p:txEl>
+                                              <p:pRg st="2" end="2"/>
+                                            </p:txEl>
+                                          </p:spTgt>
+                                        </p:tgtEl>
+                                        <p:attrNameLst>
+                                          <p:attrName>style.visibility</p:attrName>
+                                        </p:attrNameLst>
+                                      </p:cBhvr>
+                                      <p:to>
+                                        <p:strVal val="visible"/>
+                                      </p:to>
+                                    </p:set>
+                                    <p:animEffect transition="in" filter="fade">
+                                      <p:cBhvr>
+                                        <p:cTn id="21" dur="500"/>
+                                        <p:tgtEl>
+                                          <p:spTgt spid="3">
+                                            <p:txEl>
+                                              <p:pRg st="2" end="2"/>
+                                            </p:txEl>
+                                          </p:spTgt>
+                                        </p:tgtEl>
+                                      </p:cBhvr>
+                                    </p:animEffect>
                                   </p:childTnLst>
                                 </p:cTn>
                               </p:par>
                             </p:childTnLst>
                           </p:cTn>
                         </p:par>
-                      </p:childTnLst>
-                    </p:cTn>
-                  </p:par>
-                  <p:par>
-                    <p:cTn id="15" fill="hold">
-                      <p:stCondLst>
-                        <p:cond delay="indefinite"/>
-                      </p:stCondLst>
-                      <p:childTnLst>
                         <p:par>
-                          <p:cTn id="16" fill="hold">
+                          <p:cTn id="22" fill="hold">
                             <p:stCondLst>
-                              <p:cond delay="0"/>
+                              <p:cond delay="8000"/>
                             </p:stCondLst>
                             <p:childTnLst>
                               <p:par>
-                                <p:cTn id="17" presetID="49" presetClass="path" presetSubtype="0" accel="50000" decel="50000" fill="hold" nodeType="clickEffect">
+                                <p:cTn id="23" presetID="49" presetClass="path" presetSubtype="0" accel="50000" decel="50000" fill="hold" nodeType="afterEffect">
                                   <p:stCondLst>
-                                    <p:cond delay="0"/>
+                                    <p:cond delay="1000"/>
                                   </p:stCondLst>
                                   <p:childTnLst>
-                                    <p:animMotion origin="layout" path="M 0 0 L 0.25 0.25 E" pathEditMode="relative" ptsTypes="">
+                                    <p:animMotion origin="layout" path="M -0.05729 -0.16087 L 0.00195 -0.08333 " pathEditMode="relative" rAng="0" ptsTypes="AA">
                                       <p:cBhvr>
-                                        <p:cTn id="18" dur="2000" fill="hold"/>
+                                        <p:cTn id="24" dur="2000" fill="hold"/>
                                         <p:tgtEl>
-                                          <p:spTgt spid="14"/>
+                                          <p:spTgt spid="9"/>
                                         </p:tgtEl>
                                         <p:attrNameLst>
                                           <p:attrName>ppt_x</p:attrName>
                                           <p:attrName>ppt_y</p:attrName>
                                         </p:attrNameLst>
                                       </p:cBhvr>
+                                      <p:rCtr x="2956" y="3866"/>
                                     </p:animMotion>
+                                  </p:childTnLst>
+                                </p:cTn>
+                              </p:par>
+                              <p:par>
+                                <p:cTn id="25" presetID="10" presetClass="entr" presetSubtype="0" fill="hold" grpId="0" nodeType="withEffect">
+                                  <p:stCondLst>
+                                    <p:cond delay="0"/>
+                                  </p:stCondLst>
+                                  <p:childTnLst>
+                                    <p:set>
+                                      <p:cBhvr>
+                                        <p:cTn id="26" dur="1" fill="hold">
+                                          <p:stCondLst>
+                                            <p:cond delay="0"/>
+                                          </p:stCondLst>
+                                        </p:cTn>
+                                        <p:tgtEl>
+                                          <p:spTgt spid="3">
+                                            <p:txEl>
+                                              <p:pRg st="3" end="3"/>
+                                            </p:txEl>
+                                          </p:spTgt>
+                                        </p:tgtEl>
+                                        <p:attrNameLst>
+                                          <p:attrName>style.visibility</p:attrName>
+                                        </p:attrNameLst>
+                                      </p:cBhvr>
+                                      <p:to>
+                                        <p:strVal val="visible"/>
+                                      </p:to>
+                                    </p:set>
+                                    <p:animEffect transition="in" filter="fade">
+                                      <p:cBhvr>
+                                        <p:cTn id="27" dur="500"/>
+                                        <p:tgtEl>
+                                          <p:spTgt spid="3">
+                                            <p:txEl>
+                                              <p:pRg st="3" end="3"/>
+                                            </p:txEl>
+                                          </p:spTgt>
+                                        </p:tgtEl>
+                                      </p:cBhvr>
+                                    </p:animEffect>
+                                  </p:childTnLst>
+                                </p:cTn>
+                              </p:par>
+                            </p:childTnLst>
+                          </p:cTn>
+                        </p:par>
+                        <p:par>
+                          <p:cTn id="28" fill="hold">
+                            <p:stCondLst>
+                              <p:cond delay="11000"/>
+                            </p:stCondLst>
+                            <p:childTnLst>
+                              <p:par>
+                                <p:cTn id="29" presetID="56" presetClass="path" presetSubtype="0" accel="50000" decel="50000" fill="hold" nodeType="afterEffect">
+                                  <p:stCondLst>
+                                    <p:cond delay="1000"/>
+                                  </p:stCondLst>
+                                  <p:childTnLst>
+                                    <p:animMotion origin="layout" path="M 0.07006 0.15949 L -4.375E-6 1.85185E-6 " pathEditMode="relative" rAng="0" ptsTypes="AA">
+                                      <p:cBhvr>
+                                        <p:cTn id="30" dur="2000" fill="hold"/>
+                                        <p:tgtEl>
+                                          <p:spTgt spid="8"/>
+                                        </p:tgtEl>
+                                        <p:attrNameLst>
+                                          <p:attrName>ppt_x</p:attrName>
+                                          <p:attrName>ppt_y</p:attrName>
+                                        </p:attrNameLst>
+                                      </p:cBhvr>
+                                      <p:rCtr x="-3503" y="-7986"/>
+                                    </p:animMotion>
+                                  </p:childTnLst>
+                                </p:cTn>
+                              </p:par>
+                              <p:par>
+                                <p:cTn id="31" presetID="10" presetClass="entr" presetSubtype="0" fill="hold" grpId="0" nodeType="withEffect">
+                                  <p:stCondLst>
+                                    <p:cond delay="0"/>
+                                  </p:stCondLst>
+                                  <p:childTnLst>
+                                    <p:set>
+                                      <p:cBhvr>
+                                        <p:cTn id="32" dur="1" fill="hold">
+                                          <p:stCondLst>
+                                            <p:cond delay="0"/>
+                                          </p:stCondLst>
+                                        </p:cTn>
+                                        <p:tgtEl>
+                                          <p:spTgt spid="3">
+                                            <p:txEl>
+                                              <p:pRg st="4" end="4"/>
+                                            </p:txEl>
+                                          </p:spTgt>
+                                        </p:tgtEl>
+                                        <p:attrNameLst>
+                                          <p:attrName>style.visibility</p:attrName>
+                                        </p:attrNameLst>
+                                      </p:cBhvr>
+                                      <p:to>
+                                        <p:strVal val="visible"/>
+                                      </p:to>
+                                    </p:set>
+                                    <p:animEffect transition="in" filter="fade">
+                                      <p:cBhvr>
+                                        <p:cTn id="33" dur="500"/>
+                                        <p:tgtEl>
+                                          <p:spTgt spid="3">
+                                            <p:txEl>
+                                              <p:pRg st="4" end="4"/>
+                                            </p:txEl>
+                                          </p:spTgt>
+                                        </p:tgtEl>
+                                      </p:cBhvr>
+                                    </p:animEffect>
+                                  </p:childTnLst>
+                                </p:cTn>
+                              </p:par>
+                            </p:childTnLst>
+                          </p:cTn>
+                        </p:par>
+                        <p:par>
+                          <p:cTn id="34" fill="hold">
+                            <p:stCondLst>
+                              <p:cond delay="14000"/>
+                            </p:stCondLst>
+                            <p:childTnLst>
+                              <p:par>
+                                <p:cTn id="35" presetID="42" presetClass="path" presetSubtype="0" accel="50000" decel="50000" fill="hold" nodeType="afterEffect">
+                                  <p:stCondLst>
+                                    <p:cond delay="1000"/>
+                                  </p:stCondLst>
+                                  <p:childTnLst>
+                                    <p:animMotion origin="layout" path="M 0.00195 -0.08333 L 0.00195 0.00648 " pathEditMode="relative" rAng="0" ptsTypes="AA">
+                                      <p:cBhvr>
+                                        <p:cTn id="36" dur="2000" fill="hold"/>
+                                        <p:tgtEl>
+                                          <p:spTgt spid="9"/>
+                                        </p:tgtEl>
+                                        <p:attrNameLst>
+                                          <p:attrName>ppt_x</p:attrName>
+                                          <p:attrName>ppt_y</p:attrName>
+                                        </p:attrNameLst>
+                                      </p:cBhvr>
+                                      <p:rCtr x="0" y="4491"/>
+                                    </p:animMotion>
+                                  </p:childTnLst>
+                                </p:cTn>
+                              </p:par>
+                              <p:par>
+                                <p:cTn id="37" presetID="10" presetClass="entr" presetSubtype="0" fill="hold" grpId="0" nodeType="withEffect">
+                                  <p:stCondLst>
+                                    <p:cond delay="0"/>
+                                  </p:stCondLst>
+                                  <p:childTnLst>
+                                    <p:set>
+                                      <p:cBhvr>
+                                        <p:cTn id="38" dur="1" fill="hold">
+                                          <p:stCondLst>
+                                            <p:cond delay="0"/>
+                                          </p:stCondLst>
+                                        </p:cTn>
+                                        <p:tgtEl>
+                                          <p:spTgt spid="3">
+                                            <p:txEl>
+                                              <p:pRg st="5" end="5"/>
+                                            </p:txEl>
+                                          </p:spTgt>
+                                        </p:tgtEl>
+                                        <p:attrNameLst>
+                                          <p:attrName>style.visibility</p:attrName>
+                                        </p:attrNameLst>
+                                      </p:cBhvr>
+                                      <p:to>
+                                        <p:strVal val="visible"/>
+                                      </p:to>
+                                    </p:set>
+                                    <p:animEffect transition="in" filter="fade">
+                                      <p:cBhvr>
+                                        <p:cTn id="39" dur="500"/>
+                                        <p:tgtEl>
+                                          <p:spTgt spid="3">
+                                            <p:txEl>
+                                              <p:pRg st="5" end="5"/>
+                                            </p:txEl>
+                                          </p:spTgt>
+                                        </p:tgtEl>
+                                      </p:cBhvr>
+                                    </p:animEffect>
+                                  </p:childTnLst>
+                                </p:cTn>
+                              </p:par>
+                            </p:childTnLst>
+                          </p:cTn>
+                        </p:par>
+                        <p:par>
+                          <p:cTn id="40" fill="hold">
+                            <p:stCondLst>
+                              <p:cond delay="17000"/>
+                            </p:stCondLst>
+                            <p:childTnLst>
+                              <p:par>
+                                <p:cTn id="41" presetID="10" presetClass="entr" presetSubtype="0" fill="hold" grpId="0" nodeType="afterEffect">
+                                  <p:stCondLst>
+                                    <p:cond delay="0"/>
+                                  </p:stCondLst>
+                                  <p:childTnLst>
+                                    <p:set>
+                                      <p:cBhvr>
+                                        <p:cTn id="42" dur="1" fill="hold">
+                                          <p:stCondLst>
+                                            <p:cond delay="0"/>
+                                          </p:stCondLst>
+                                        </p:cTn>
+                                        <p:tgtEl>
+                                          <p:spTgt spid="10"/>
+                                        </p:tgtEl>
+                                        <p:attrNameLst>
+                                          <p:attrName>style.visibility</p:attrName>
+                                        </p:attrNameLst>
+                                      </p:cBhvr>
+                                      <p:to>
+                                        <p:strVal val="visible"/>
+                                      </p:to>
+                                    </p:set>
+                                    <p:animEffect transition="in" filter="fade">
+                                      <p:cBhvr>
+                                        <p:cTn id="43" dur="500"/>
+                                        <p:tgtEl>
+                                          <p:spTgt spid="10"/>
+                                        </p:tgtEl>
+                                      </p:cBhvr>
+                                    </p:animEffect>
                                   </p:childTnLst>
                                 </p:cTn>
                               </p:par>
@@ -3355,6 +3771,10 @@
         </p:cTn>
       </p:par>
     </p:tnLst>
+    <p:bldLst>
+      <p:bldP spid="3" grpId="0" uiExpand="1" build="p"/>
+      <p:bldP spid="10" grpId="0"/>
+    </p:bldLst>
   </p:timing>
 </p:sld>
 </file>

--- a/Film/Presentatie filmpje.pptx
+++ b/Film/Presentatie filmpje.pptx
@@ -4,8 +4,12 @@
   <p:sldMasterIdLst>
     <p:sldMasterId id="2147483648" r:id="rId1"/>
   </p:sldMasterIdLst>
+  <p:notesMasterIdLst>
+    <p:notesMasterId r:id="rId4"/>
+  </p:notesMasterIdLst>
   <p:sldIdLst>
-    <p:sldId id="257" r:id="rId2"/>
+    <p:sldId id="258" r:id="rId2"/>
+    <p:sldId id="257" r:id="rId3"/>
   </p:sldIdLst>
   <p:sldSz cx="12192000" cy="6858000"/>
   <p:notesSz cx="6858000" cy="9144000"/>
@@ -112,6 +116,355 @@
 </p:presentation>
 </file>
 
+<file path=ppt/notesMasters/notesMaster1.xml><?xml version="1.0" encoding="utf-8"?>
+<p:notesMaster xmlns:a="http://schemas.openxmlformats.org/drawingml/2006/main" xmlns:r="http://schemas.openxmlformats.org/officeDocument/2006/relationships" xmlns:p="http://schemas.openxmlformats.org/presentationml/2006/main">
+  <p:cSld>
+    <p:bg>
+      <p:bgRef idx="1001">
+        <a:schemeClr val="bg1"/>
+      </p:bgRef>
+    </p:bg>
+    <p:spTree>
+      <p:nvGrpSpPr>
+        <p:cNvPr id="1" name=""/>
+        <p:cNvGrpSpPr/>
+        <p:nvPr/>
+      </p:nvGrpSpPr>
+      <p:grpSpPr>
+        <a:xfrm>
+          <a:off x="0" y="0"/>
+          <a:ext cx="0" cy="0"/>
+          <a:chOff x="0" y="0"/>
+          <a:chExt cx="0" cy="0"/>
+        </a:xfrm>
+      </p:grpSpPr>
+      <p:sp>
+        <p:nvSpPr>
+          <p:cNvPr id="2" name="Tijdelijke aanduiding voor koptekst 1"/>
+          <p:cNvSpPr>
+            <a:spLocks noGrp="1"/>
+          </p:cNvSpPr>
+          <p:nvPr>
+            <p:ph type="hdr" sz="quarter"/>
+          </p:nvPr>
+        </p:nvSpPr>
+        <p:spPr>
+          <a:xfrm>
+            <a:off x="0" y="0"/>
+            <a:ext cx="2971800" cy="458788"/>
+          </a:xfrm>
+          <a:prstGeom prst="rect">
+            <a:avLst/>
+          </a:prstGeom>
+        </p:spPr>
+        <p:txBody>
+          <a:bodyPr vert="horz" lIns="91440" tIns="45720" rIns="91440" bIns="45720" rtlCol="0"/>
+          <a:lstStyle>
+            <a:lvl1pPr algn="l">
+              <a:defRPr sz="1200"/>
+            </a:lvl1pPr>
+          </a:lstStyle>
+          <a:p>
+            <a:endParaRPr lang="nl-NL"/>
+          </a:p>
+        </p:txBody>
+      </p:sp>
+      <p:sp>
+        <p:nvSpPr>
+          <p:cNvPr id="3" name="Tijdelijke aanduiding voor datum 2"/>
+          <p:cNvSpPr>
+            <a:spLocks noGrp="1"/>
+          </p:cNvSpPr>
+          <p:nvPr>
+            <p:ph type="dt" idx="1"/>
+          </p:nvPr>
+        </p:nvSpPr>
+        <p:spPr>
+          <a:xfrm>
+            <a:off x="3884613" y="0"/>
+            <a:ext cx="2971800" cy="458788"/>
+          </a:xfrm>
+          <a:prstGeom prst="rect">
+            <a:avLst/>
+          </a:prstGeom>
+        </p:spPr>
+        <p:txBody>
+          <a:bodyPr vert="horz" lIns="91440" tIns="45720" rIns="91440" bIns="45720" rtlCol="0"/>
+          <a:lstStyle>
+            <a:lvl1pPr algn="r">
+              <a:defRPr sz="1200"/>
+            </a:lvl1pPr>
+          </a:lstStyle>
+          <a:p>
+            <a:fld id="{9DC55CA0-8FD6-4ECC-B0ED-252D45AA7655}" type="datetimeFigureOut">
+              <a:rPr lang="nl-NL" smtClean="0"/>
+              <a:t>7-4-2017</a:t>
+            </a:fld>
+            <a:endParaRPr lang="nl-NL"/>
+          </a:p>
+        </p:txBody>
+      </p:sp>
+      <p:sp>
+        <p:nvSpPr>
+          <p:cNvPr id="4" name="Tijdelijke aanduiding voor dia-afbeelding 3"/>
+          <p:cNvSpPr>
+            <a:spLocks noGrp="1" noRot="1" noChangeAspect="1"/>
+          </p:cNvSpPr>
+          <p:nvPr>
+            <p:ph type="sldImg" idx="2"/>
+          </p:nvPr>
+        </p:nvSpPr>
+        <p:spPr>
+          <a:xfrm>
+            <a:off x="685800" y="1143000"/>
+            <a:ext cx="5486400" cy="3086100"/>
+          </a:xfrm>
+          <a:prstGeom prst="rect">
+            <a:avLst/>
+          </a:prstGeom>
+          <a:noFill/>
+          <a:ln w="12700">
+            <a:solidFill>
+              <a:prstClr val="black"/>
+            </a:solidFill>
+          </a:ln>
+        </p:spPr>
+        <p:txBody>
+          <a:bodyPr vert="horz" lIns="91440" tIns="45720" rIns="91440" bIns="45720" rtlCol="0" anchor="ctr"/>
+          <a:lstStyle/>
+          <a:p>
+            <a:endParaRPr lang="nl-NL"/>
+          </a:p>
+        </p:txBody>
+      </p:sp>
+      <p:sp>
+        <p:nvSpPr>
+          <p:cNvPr id="5" name="Tijdelijke aanduiding voor notities 4"/>
+          <p:cNvSpPr>
+            <a:spLocks noGrp="1"/>
+          </p:cNvSpPr>
+          <p:nvPr>
+            <p:ph type="body" sz="quarter" idx="3"/>
+          </p:nvPr>
+        </p:nvSpPr>
+        <p:spPr>
+          <a:xfrm>
+            <a:off x="685800" y="4400550"/>
+            <a:ext cx="5486400" cy="3600450"/>
+          </a:xfrm>
+          <a:prstGeom prst="rect">
+            <a:avLst/>
+          </a:prstGeom>
+        </p:spPr>
+        <p:txBody>
+          <a:bodyPr vert="horz" lIns="91440" tIns="45720" rIns="91440" bIns="45720" rtlCol="0"/>
+          <a:lstStyle/>
+          <a:p>
+            <a:pPr lvl="0"/>
+            <a:r>
+              <a:rPr lang="nl-NL"/>
+              <a:t>Tekststijl van het model bewerken</a:t>
+            </a:r>
+          </a:p>
+          <a:p>
+            <a:pPr lvl="1"/>
+            <a:r>
+              <a:rPr lang="nl-NL"/>
+              <a:t>Tweede niveau</a:t>
+            </a:r>
+          </a:p>
+          <a:p>
+            <a:pPr lvl="2"/>
+            <a:r>
+              <a:rPr lang="nl-NL"/>
+              <a:t>Derde niveau</a:t>
+            </a:r>
+          </a:p>
+          <a:p>
+            <a:pPr lvl="3"/>
+            <a:r>
+              <a:rPr lang="nl-NL"/>
+              <a:t>Vierde niveau</a:t>
+            </a:r>
+          </a:p>
+          <a:p>
+            <a:pPr lvl="4"/>
+            <a:r>
+              <a:rPr lang="nl-NL"/>
+              <a:t>Vijfde niveau</a:t>
+            </a:r>
+          </a:p>
+        </p:txBody>
+      </p:sp>
+      <p:sp>
+        <p:nvSpPr>
+          <p:cNvPr id="6" name="Tijdelijke aanduiding voor voettekst 5"/>
+          <p:cNvSpPr>
+            <a:spLocks noGrp="1"/>
+          </p:cNvSpPr>
+          <p:nvPr>
+            <p:ph type="ftr" sz="quarter" idx="4"/>
+          </p:nvPr>
+        </p:nvSpPr>
+        <p:spPr>
+          <a:xfrm>
+            <a:off x="0" y="8685213"/>
+            <a:ext cx="2971800" cy="458787"/>
+          </a:xfrm>
+          <a:prstGeom prst="rect">
+            <a:avLst/>
+          </a:prstGeom>
+        </p:spPr>
+        <p:txBody>
+          <a:bodyPr vert="horz" lIns="91440" tIns="45720" rIns="91440" bIns="45720" rtlCol="0" anchor="b"/>
+          <a:lstStyle>
+            <a:lvl1pPr algn="l">
+              <a:defRPr sz="1200"/>
+            </a:lvl1pPr>
+          </a:lstStyle>
+          <a:p>
+            <a:endParaRPr lang="nl-NL"/>
+          </a:p>
+        </p:txBody>
+      </p:sp>
+      <p:sp>
+        <p:nvSpPr>
+          <p:cNvPr id="7" name="Tijdelijke aanduiding voor dianummer 6"/>
+          <p:cNvSpPr>
+            <a:spLocks noGrp="1"/>
+          </p:cNvSpPr>
+          <p:nvPr>
+            <p:ph type="sldNum" sz="quarter" idx="5"/>
+          </p:nvPr>
+        </p:nvSpPr>
+        <p:spPr>
+          <a:xfrm>
+            <a:off x="3884613" y="8685213"/>
+            <a:ext cx="2971800" cy="458787"/>
+          </a:xfrm>
+          <a:prstGeom prst="rect">
+            <a:avLst/>
+          </a:prstGeom>
+        </p:spPr>
+        <p:txBody>
+          <a:bodyPr vert="horz" lIns="91440" tIns="45720" rIns="91440" bIns="45720" rtlCol="0" anchor="b"/>
+          <a:lstStyle>
+            <a:lvl1pPr algn="r">
+              <a:defRPr sz="1200"/>
+            </a:lvl1pPr>
+          </a:lstStyle>
+          <a:p>
+            <a:fld id="{67069525-5B81-4683-AE68-B8401A385234}" type="slidenum">
+              <a:rPr lang="nl-NL" smtClean="0"/>
+              <a:t>‹nr.›</a:t>
+            </a:fld>
+            <a:endParaRPr lang="nl-NL"/>
+          </a:p>
+        </p:txBody>
+      </p:sp>
+    </p:spTree>
+    <p:extLst>
+      <p:ext uri="{BB962C8B-B14F-4D97-AF65-F5344CB8AC3E}">
+        <p14:creationId xmlns:p14="http://schemas.microsoft.com/office/powerpoint/2010/main" val="4198857553"/>
+      </p:ext>
+    </p:extLst>
+  </p:cSld>
+  <p:clrMap bg1="lt1" tx1="dk1" bg2="lt2" tx2="dk2" accent1="accent1" accent2="accent2" accent3="accent3" accent4="accent4" accent5="accent5" accent6="accent6" hlink="hlink" folHlink="folHlink"/>
+  <p:notesStyle>
+    <a:lvl1pPr marL="0" algn="l" defTabSz="914400" rtl="0" eaLnBrk="1" latinLnBrk="0" hangingPunct="1">
+      <a:defRPr sz="1200" kern="1200">
+        <a:solidFill>
+          <a:schemeClr val="tx1"/>
+        </a:solidFill>
+        <a:latin typeface="+mn-lt"/>
+        <a:ea typeface="+mn-ea"/>
+        <a:cs typeface="+mn-cs"/>
+      </a:defRPr>
+    </a:lvl1pPr>
+    <a:lvl2pPr marL="457200" algn="l" defTabSz="914400" rtl="0" eaLnBrk="1" latinLnBrk="0" hangingPunct="1">
+      <a:defRPr sz="1200" kern="1200">
+        <a:solidFill>
+          <a:schemeClr val="tx1"/>
+        </a:solidFill>
+        <a:latin typeface="+mn-lt"/>
+        <a:ea typeface="+mn-ea"/>
+        <a:cs typeface="+mn-cs"/>
+      </a:defRPr>
+    </a:lvl2pPr>
+    <a:lvl3pPr marL="914400" algn="l" defTabSz="914400" rtl="0" eaLnBrk="1" latinLnBrk="0" hangingPunct="1">
+      <a:defRPr sz="1200" kern="1200">
+        <a:solidFill>
+          <a:schemeClr val="tx1"/>
+        </a:solidFill>
+        <a:latin typeface="+mn-lt"/>
+        <a:ea typeface="+mn-ea"/>
+        <a:cs typeface="+mn-cs"/>
+      </a:defRPr>
+    </a:lvl3pPr>
+    <a:lvl4pPr marL="1371600" algn="l" defTabSz="914400" rtl="0" eaLnBrk="1" latinLnBrk="0" hangingPunct="1">
+      <a:defRPr sz="1200" kern="1200">
+        <a:solidFill>
+          <a:schemeClr val="tx1"/>
+        </a:solidFill>
+        <a:latin typeface="+mn-lt"/>
+        <a:ea typeface="+mn-ea"/>
+        <a:cs typeface="+mn-cs"/>
+      </a:defRPr>
+    </a:lvl4pPr>
+    <a:lvl5pPr marL="1828800" algn="l" defTabSz="914400" rtl="0" eaLnBrk="1" latinLnBrk="0" hangingPunct="1">
+      <a:defRPr sz="1200" kern="1200">
+        <a:solidFill>
+          <a:schemeClr val="tx1"/>
+        </a:solidFill>
+        <a:latin typeface="+mn-lt"/>
+        <a:ea typeface="+mn-ea"/>
+        <a:cs typeface="+mn-cs"/>
+      </a:defRPr>
+    </a:lvl5pPr>
+    <a:lvl6pPr marL="2286000" algn="l" defTabSz="914400" rtl="0" eaLnBrk="1" latinLnBrk="0" hangingPunct="1">
+      <a:defRPr sz="1200" kern="1200">
+        <a:solidFill>
+          <a:schemeClr val="tx1"/>
+        </a:solidFill>
+        <a:latin typeface="+mn-lt"/>
+        <a:ea typeface="+mn-ea"/>
+        <a:cs typeface="+mn-cs"/>
+      </a:defRPr>
+    </a:lvl6pPr>
+    <a:lvl7pPr marL="2743200" algn="l" defTabSz="914400" rtl="0" eaLnBrk="1" latinLnBrk="0" hangingPunct="1">
+      <a:defRPr sz="1200" kern="1200">
+        <a:solidFill>
+          <a:schemeClr val="tx1"/>
+        </a:solidFill>
+        <a:latin typeface="+mn-lt"/>
+        <a:ea typeface="+mn-ea"/>
+        <a:cs typeface="+mn-cs"/>
+      </a:defRPr>
+    </a:lvl7pPr>
+    <a:lvl8pPr marL="3200400" algn="l" defTabSz="914400" rtl="0" eaLnBrk="1" latinLnBrk="0" hangingPunct="1">
+      <a:defRPr sz="1200" kern="1200">
+        <a:solidFill>
+          <a:schemeClr val="tx1"/>
+        </a:solidFill>
+        <a:latin typeface="+mn-lt"/>
+        <a:ea typeface="+mn-ea"/>
+        <a:cs typeface="+mn-cs"/>
+      </a:defRPr>
+    </a:lvl8pPr>
+    <a:lvl9pPr marL="3657600" algn="l" defTabSz="914400" rtl="0" eaLnBrk="1" latinLnBrk="0" hangingPunct="1">
+      <a:defRPr sz="1200" kern="1200">
+        <a:solidFill>
+          <a:schemeClr val="tx1"/>
+        </a:solidFill>
+        <a:latin typeface="+mn-lt"/>
+        <a:ea typeface="+mn-ea"/>
+        <a:cs typeface="+mn-cs"/>
+      </a:defRPr>
+    </a:lvl9pPr>
+  </p:notesStyle>
+</p:notesMaster>
+</file>
+
 <file path=ppt/slideLayouts/slideLayout1.xml><?xml version="1.0" encoding="utf-8"?>
 <p:sldLayout xmlns:a="http://schemas.openxmlformats.org/drawingml/2006/main" xmlns:r="http://schemas.openxmlformats.org/officeDocument/2006/relationships" xmlns:p="http://schemas.openxmlformats.org/presentationml/2006/main" type="title" preserve="1">
   <p:cSld name="Titeldia">
@@ -2397,9 +2750,39 @@
 <p:sldMaster xmlns:a="http://schemas.openxmlformats.org/drawingml/2006/main" xmlns:r="http://schemas.openxmlformats.org/officeDocument/2006/relationships" xmlns:p="http://schemas.openxmlformats.org/presentationml/2006/main">
   <p:cSld>
     <p:bg>
-      <p:bgRef idx="1001">
-        <a:schemeClr val="bg1"/>
-      </p:bgRef>
+      <p:bgPr>
+        <a:gradFill flip="none" rotWithShape="1">
+          <a:gsLst>
+            <a:gs pos="0">
+              <a:schemeClr val="accent1">
+                <a:lumMod val="5000"/>
+                <a:lumOff val="95000"/>
+              </a:schemeClr>
+            </a:gs>
+            <a:gs pos="78000">
+              <a:schemeClr val="accent1">
+                <a:lumMod val="45000"/>
+                <a:lumOff val="55000"/>
+              </a:schemeClr>
+            </a:gs>
+            <a:gs pos="86000">
+              <a:schemeClr val="accent1">
+                <a:lumMod val="45000"/>
+                <a:lumOff val="55000"/>
+              </a:schemeClr>
+            </a:gs>
+            <a:gs pos="100000">
+              <a:schemeClr val="accent1">
+                <a:lumMod val="30000"/>
+                <a:lumOff val="70000"/>
+              </a:schemeClr>
+            </a:gs>
+          </a:gsLst>
+          <a:lin ang="18900000" scaled="1"/>
+          <a:tileRect/>
+        </a:gradFill>
+        <a:effectLst/>
+      </p:bgPr>
     </p:bg>
     <p:spTree>
       <p:nvGrpSpPr>
@@ -2934,6 +3317,355 @@
 <file path=ppt/slides/slide1.xml><?xml version="1.0" encoding="utf-8"?>
 <p:sld xmlns:a="http://schemas.openxmlformats.org/drawingml/2006/main" xmlns:r="http://schemas.openxmlformats.org/officeDocument/2006/relationships" xmlns:p="http://schemas.openxmlformats.org/presentationml/2006/main">
   <p:cSld>
+    <p:bg>
+      <p:bgPr>
+        <a:gradFill flip="none" rotWithShape="1">
+          <a:gsLst>
+            <a:gs pos="0">
+              <a:schemeClr val="accent1">
+                <a:lumMod val="5000"/>
+                <a:lumOff val="95000"/>
+              </a:schemeClr>
+            </a:gs>
+            <a:gs pos="74000">
+              <a:schemeClr val="accent1">
+                <a:lumMod val="45000"/>
+                <a:lumOff val="55000"/>
+              </a:schemeClr>
+            </a:gs>
+            <a:gs pos="83000">
+              <a:schemeClr val="accent1">
+                <a:lumMod val="45000"/>
+                <a:lumOff val="55000"/>
+              </a:schemeClr>
+            </a:gs>
+            <a:gs pos="100000">
+              <a:schemeClr val="accent1">
+                <a:lumMod val="30000"/>
+                <a:lumOff val="70000"/>
+              </a:schemeClr>
+            </a:gs>
+          </a:gsLst>
+          <a:lin ang="18900000" scaled="1"/>
+          <a:tileRect/>
+        </a:gradFill>
+        <a:effectLst/>
+      </p:bgPr>
+    </p:bg>
+    <p:spTree>
+      <p:nvGrpSpPr>
+        <p:cNvPr id="1" name=""/>
+        <p:cNvGrpSpPr/>
+        <p:nvPr/>
+      </p:nvGrpSpPr>
+      <p:grpSpPr>
+        <a:xfrm>
+          <a:off x="0" y="0"/>
+          <a:ext cx="0" cy="0"/>
+          <a:chOff x="0" y="0"/>
+          <a:chExt cx="0" cy="0"/>
+        </a:xfrm>
+      </p:grpSpPr>
+      <p:sp>
+        <p:nvSpPr>
+          <p:cNvPr id="2" name="Titel 1"/>
+          <p:cNvSpPr>
+            <a:spLocks noGrp="1"/>
+          </p:cNvSpPr>
+          <p:nvPr>
+            <p:ph type="title"/>
+          </p:nvPr>
+        </p:nvSpPr>
+        <p:spPr>
+          <a:xfrm>
+            <a:off x="697395" y="500062"/>
+            <a:ext cx="10515600" cy="1325563"/>
+          </a:xfrm>
+        </p:spPr>
+        <p:txBody>
+          <a:bodyPr/>
+          <a:lstStyle/>
+          <a:p>
+            <a:pPr algn="ctr"/>
+            <a:r>
+              <a:rPr lang="nl-NL" dirty="0"/>
+              <a:t>Wordt er altijd een equilibrium bereikt?</a:t>
+            </a:r>
+          </a:p>
+        </p:txBody>
+      </p:sp>
+      <p:sp>
+        <p:nvSpPr>
+          <p:cNvPr id="4" name="Rechthoek 3"/>
+          <p:cNvSpPr/>
+          <p:nvPr/>
+        </p:nvSpPr>
+        <p:spPr>
+          <a:xfrm>
+            <a:off x="3817525" y="1825625"/>
+            <a:ext cx="4556950" cy="3154710"/>
+          </a:xfrm>
+          <a:prstGeom prst="rect">
+            <a:avLst/>
+          </a:prstGeom>
+          <a:noFill/>
+        </p:spPr>
+        <p:txBody>
+          <a:bodyPr wrap="square" lIns="91440" tIns="45720" rIns="91440" bIns="45720">
+            <a:spAutoFit/>
+          </a:bodyPr>
+          <a:lstStyle/>
+          <a:p>
+            <a:pPr algn="ctr"/>
+            <a:r>
+              <a:rPr lang="nl-NL" sz="19900" b="0" cap="none" spc="0" dirty="0">
+                <a:ln w="0"/>
+                <a:solidFill>
+                  <a:schemeClr val="tx1"/>
+                </a:solidFill>
+                <a:effectLst>
+                  <a:outerShdw blurRad="38100" dist="19050" dir="2700000" algn="tl" rotWithShape="0">
+                    <a:schemeClr val="dk1">
+                      <a:alpha val="40000"/>
+                    </a:schemeClr>
+                  </a:outerShdw>
+                </a:effectLst>
+              </a:rPr>
+              <a:t>NEE</a:t>
+            </a:r>
+            <a:endParaRPr lang="nl-NL" sz="5400" b="0" cap="none" spc="0" dirty="0">
+              <a:ln w="0"/>
+              <a:solidFill>
+                <a:schemeClr val="tx1"/>
+              </a:solidFill>
+              <a:effectLst>
+                <a:outerShdw blurRad="38100" dist="19050" dir="2700000" algn="tl" rotWithShape="0">
+                  <a:schemeClr val="dk1">
+                    <a:alpha val="40000"/>
+                  </a:schemeClr>
+                </a:outerShdw>
+              </a:effectLst>
+            </a:endParaRPr>
+          </a:p>
+        </p:txBody>
+      </p:sp>
+      <p:sp>
+        <p:nvSpPr>
+          <p:cNvPr id="5" name="Tekstvak 4"/>
+          <p:cNvSpPr txBox="1"/>
+          <p:nvPr/>
+        </p:nvSpPr>
+        <p:spPr>
+          <a:xfrm>
+            <a:off x="4038600" y="4692067"/>
+            <a:ext cx="4151243" cy="1323439"/>
+          </a:xfrm>
+          <a:prstGeom prst="rect">
+            <a:avLst/>
+          </a:prstGeom>
+          <a:noFill/>
+        </p:spPr>
+        <p:txBody>
+          <a:bodyPr wrap="square" rtlCol="0">
+            <a:spAutoFit/>
+          </a:bodyPr>
+          <a:lstStyle/>
+          <a:p>
+            <a:r>
+              <a:rPr lang="nl-NL" sz="8000" dirty="0"/>
+              <a:t>Kijk maar</a:t>
+            </a:r>
+          </a:p>
+        </p:txBody>
+      </p:sp>
+    </p:spTree>
+    <p:extLst>
+      <p:ext uri="{BB962C8B-B14F-4D97-AF65-F5344CB8AC3E}">
+        <p14:creationId xmlns:p14="http://schemas.microsoft.com/office/powerpoint/2010/main" val="341777076"/>
+      </p:ext>
+    </p:extLst>
+  </p:cSld>
+  <p:clrMapOvr>
+    <a:masterClrMapping/>
+  </p:clrMapOvr>
+  <p:timing>
+    <p:tnLst>
+      <p:par>
+        <p:cTn id="1" dur="indefinite" restart="never" nodeType="tmRoot">
+          <p:childTnLst>
+            <p:seq concurrent="1" nextAc="seek">
+              <p:cTn id="2" dur="indefinite" nodeType="mainSeq">
+                <p:childTnLst>
+                  <p:par>
+                    <p:cTn id="3" fill="hold">
+                      <p:stCondLst>
+                        <p:cond delay="indefinite"/>
+                        <p:cond evt="onBegin" delay="0">
+                          <p:tn val="2"/>
+                        </p:cond>
+                      </p:stCondLst>
+                      <p:childTnLst>
+                        <p:par>
+                          <p:cTn id="4" fill="hold">
+                            <p:stCondLst>
+                              <p:cond delay="0"/>
+                            </p:stCondLst>
+                            <p:childTnLst>
+                              <p:par>
+                                <p:cTn id="5" presetID="53" presetClass="entr" presetSubtype="16" fill="hold" grpId="0" nodeType="afterEffect">
+                                  <p:stCondLst>
+                                    <p:cond delay="1750"/>
+                                  </p:stCondLst>
+                                  <p:childTnLst>
+                                    <p:set>
+                                      <p:cBhvr>
+                                        <p:cTn id="6" dur="1" fill="hold">
+                                          <p:stCondLst>
+                                            <p:cond delay="0"/>
+                                          </p:stCondLst>
+                                        </p:cTn>
+                                        <p:tgtEl>
+                                          <p:spTgt spid="4"/>
+                                        </p:tgtEl>
+                                        <p:attrNameLst>
+                                          <p:attrName>style.visibility</p:attrName>
+                                        </p:attrNameLst>
+                                      </p:cBhvr>
+                                      <p:to>
+                                        <p:strVal val="visible"/>
+                                      </p:to>
+                                    </p:set>
+                                    <p:anim calcmode="lin" valueType="num">
+                                      <p:cBhvr>
+                                        <p:cTn id="7" dur="500" fill="hold"/>
+                                        <p:tgtEl>
+                                          <p:spTgt spid="4"/>
+                                        </p:tgtEl>
+                                        <p:attrNameLst>
+                                          <p:attrName>ppt_w</p:attrName>
+                                        </p:attrNameLst>
+                                      </p:cBhvr>
+                                      <p:tavLst>
+                                        <p:tav tm="0">
+                                          <p:val>
+                                            <p:fltVal val="0"/>
+                                          </p:val>
+                                        </p:tav>
+                                        <p:tav tm="100000">
+                                          <p:val>
+                                            <p:strVal val="#ppt_w"/>
+                                          </p:val>
+                                        </p:tav>
+                                      </p:tavLst>
+                                    </p:anim>
+                                    <p:anim calcmode="lin" valueType="num">
+                                      <p:cBhvr>
+                                        <p:cTn id="8" dur="500" fill="hold"/>
+                                        <p:tgtEl>
+                                          <p:spTgt spid="4"/>
+                                        </p:tgtEl>
+                                        <p:attrNameLst>
+                                          <p:attrName>ppt_h</p:attrName>
+                                        </p:attrNameLst>
+                                      </p:cBhvr>
+                                      <p:tavLst>
+                                        <p:tav tm="0">
+                                          <p:val>
+                                            <p:fltVal val="0"/>
+                                          </p:val>
+                                        </p:tav>
+                                        <p:tav tm="100000">
+                                          <p:val>
+                                            <p:strVal val="#ppt_h"/>
+                                          </p:val>
+                                        </p:tav>
+                                      </p:tavLst>
+                                    </p:anim>
+                                    <p:animEffect transition="in" filter="fade">
+                                      <p:cBhvr>
+                                        <p:cTn id="9" dur="500"/>
+                                        <p:tgtEl>
+                                          <p:spTgt spid="4"/>
+                                        </p:tgtEl>
+                                      </p:cBhvr>
+                                    </p:animEffect>
+                                  </p:childTnLst>
+                                </p:cTn>
+                              </p:par>
+                            </p:childTnLst>
+                          </p:cTn>
+                        </p:par>
+                        <p:par>
+                          <p:cTn id="10" fill="hold">
+                            <p:stCondLst>
+                              <p:cond delay="2250"/>
+                            </p:stCondLst>
+                            <p:childTnLst>
+                              <p:par>
+                                <p:cTn id="11" presetID="1" presetClass="entr" presetSubtype="0" fill="hold" grpId="0" nodeType="afterEffect">
+                                  <p:stCondLst>
+                                    <p:cond delay="500"/>
+                                  </p:stCondLst>
+                                  <p:childTnLst>
+                                    <p:set>
+                                      <p:cBhvr>
+                                        <p:cTn id="12" dur="1" fill="hold">
+                                          <p:stCondLst>
+                                            <p:cond delay="0"/>
+                                          </p:stCondLst>
+                                        </p:cTn>
+                                        <p:tgtEl>
+                                          <p:spTgt spid="5"/>
+                                        </p:tgtEl>
+                                        <p:attrNameLst>
+                                          <p:attrName>style.visibility</p:attrName>
+                                        </p:attrNameLst>
+                                      </p:cBhvr>
+                                      <p:to>
+                                        <p:strVal val="visible"/>
+                                      </p:to>
+                                    </p:set>
+                                  </p:childTnLst>
+                                </p:cTn>
+                              </p:par>
+                            </p:childTnLst>
+                          </p:cTn>
+                        </p:par>
+                      </p:childTnLst>
+                    </p:cTn>
+                  </p:par>
+                </p:childTnLst>
+              </p:cTn>
+              <p:prevCondLst>
+                <p:cond evt="onPrev" delay="0">
+                  <p:tgtEl>
+                    <p:sldTgt/>
+                  </p:tgtEl>
+                </p:cond>
+              </p:prevCondLst>
+              <p:nextCondLst>
+                <p:cond evt="onNext" delay="0">
+                  <p:tgtEl>
+                    <p:sldTgt/>
+                  </p:tgtEl>
+                </p:cond>
+              </p:nextCondLst>
+            </p:seq>
+          </p:childTnLst>
+        </p:cTn>
+      </p:par>
+    </p:tnLst>
+    <p:bldLst>
+      <p:bldP spid="4" grpId="0"/>
+      <p:bldP spid="5" grpId="0"/>
+    </p:bldLst>
+  </p:timing>
+</p:sld>
+</file>
+
+<file path=ppt/slides/slide2.xml><?xml version="1.0" encoding="utf-8"?>
+<p:sld xmlns:a="http://schemas.openxmlformats.org/drawingml/2006/main" xmlns:r="http://schemas.openxmlformats.org/officeDocument/2006/relationships" xmlns:p="http://schemas.openxmlformats.org/presentationml/2006/main">
+  <p:cSld>
     <p:spTree>
       <p:nvGrpSpPr>
         <p:cNvPr id="1" name=""/>
@@ -3245,6 +3977,18 @@
   <p:clrMapOvr>
     <a:masterClrMapping/>
   </p:clrMapOvr>
+  <mc:AlternateContent xmlns:mc="http://schemas.openxmlformats.org/markup-compatibility/2006">
+    <mc:Choice xmlns:p14="http://schemas.microsoft.com/office/powerpoint/2010/main" Requires="p14">
+      <p:transition spd="med" p14:dur="700" advTm="5000">
+        <p:fade/>
+      </p:transition>
+    </mc:Choice>
+    <mc:Fallback>
+      <p:transition spd="med" advTm="5000">
+        <p:fade/>
+      </p:transition>
+    </mc:Fallback>
+  </mc:AlternateContent>
   <p:timing>
     <p:tnLst>
       <p:par>
@@ -3257,6 +4001,9 @@
                     <p:cTn id="3" fill="hold">
                       <p:stCondLst>
                         <p:cond delay="indefinite"/>
+                        <p:cond evt="onBegin" delay="0">
+                          <p:tn val="2"/>
+                        </p:cond>
                       </p:stCondLst>
                       <p:childTnLst>
                         <p:par>
@@ -3266,9 +4013,9 @@
                             </p:stCondLst>
                             <p:childTnLst>
                               <p:par>
-                                <p:cTn id="5" presetID="42" presetClass="path" presetSubtype="0" accel="50000" decel="50000" fill="hold" nodeType="clickEffect">
+                                <p:cTn id="5" presetID="42" presetClass="path" presetSubtype="0" accel="50000" decel="50000" fill="hold" nodeType="afterEffect">
                                   <p:stCondLst>
-                                    <p:cond delay="0"/>
+                                    <p:cond delay="1000"/>
                                   </p:stCondLst>
                                   <p:childTnLst>
                                     <p:animMotion origin="layout" path="M -4.375E-6 1.85185E-6 L 0.07006 0.08079 " pathEditMode="relative" rAng="0" ptsTypes="AA">
@@ -3336,7 +4083,7 @@
                         <p:par>
                           <p:cTn id="10" fill="hold">
                             <p:stCondLst>
-                              <p:cond delay="2000"/>
+                              <p:cond delay="3000"/>
                             </p:stCondLst>
                             <p:childTnLst>
                               <p:par>
@@ -3410,7 +4157,7 @@
                         <p:par>
                           <p:cTn id="16" fill="hold">
                             <p:stCondLst>
-                              <p:cond delay="5000"/>
+                              <p:cond delay="6000"/>
                             </p:stCondLst>
                             <p:childTnLst>
                               <p:par>
@@ -3484,7 +4231,7 @@
                         <p:par>
                           <p:cTn id="22" fill="hold">
                             <p:stCondLst>
-                              <p:cond delay="8000"/>
+                              <p:cond delay="9000"/>
                             </p:stCondLst>
                             <p:childTnLst>
                               <p:par>
@@ -3558,7 +4305,7 @@
                         <p:par>
                           <p:cTn id="28" fill="hold">
                             <p:stCondLst>
-                              <p:cond delay="11000"/>
+                              <p:cond delay="12000"/>
                             </p:stCondLst>
                             <p:childTnLst>
                               <p:par>
@@ -3632,7 +4379,7 @@
                         <p:par>
                           <p:cTn id="34" fill="hold">
                             <p:stCondLst>
-                              <p:cond delay="14000"/>
+                              <p:cond delay="15000"/>
                             </p:stCondLst>
                             <p:childTnLst>
                               <p:par>
@@ -3706,7 +4453,7 @@
                         <p:par>
                           <p:cTn id="40" fill="hold">
                             <p:stCondLst>
-                              <p:cond delay="17000"/>
+                              <p:cond delay="18000"/>
                             </p:stCondLst>
                             <p:childTnLst>
                               <p:par>
@@ -4072,4 +4819,299 @@
     </a:ext>
   </a:extLst>
 </a:theme>
+</file>
+
+<file path=ppt/theme/theme2.xml><?xml version="1.0" encoding="utf-8"?>
+<a:theme xmlns:a="http://schemas.openxmlformats.org/drawingml/2006/main" name="Kantoorthema">
+  <a:themeElements>
+    <a:clrScheme name="Kantoor">
+      <a:dk1>
+        <a:sysClr val="windowText" lastClr="000000"/>
+      </a:dk1>
+      <a:lt1>
+        <a:sysClr val="window" lastClr="FFFFFF"/>
+      </a:lt1>
+      <a:dk2>
+        <a:srgbClr val="44546A"/>
+      </a:dk2>
+      <a:lt2>
+        <a:srgbClr val="E7E6E6"/>
+      </a:lt2>
+      <a:accent1>
+        <a:srgbClr val="4472C4"/>
+      </a:accent1>
+      <a:accent2>
+        <a:srgbClr val="ED7D31"/>
+      </a:accent2>
+      <a:accent3>
+        <a:srgbClr val="A5A5A5"/>
+      </a:accent3>
+      <a:accent4>
+        <a:srgbClr val="FFC000"/>
+      </a:accent4>
+      <a:accent5>
+        <a:srgbClr val="5B9BD5"/>
+      </a:accent5>
+      <a:accent6>
+        <a:srgbClr val="70AD47"/>
+      </a:accent6>
+      <a:hlink>
+        <a:srgbClr val="0563C1"/>
+      </a:hlink>
+      <a:folHlink>
+        <a:srgbClr val="954F72"/>
+      </a:folHlink>
+    </a:clrScheme>
+    <a:fontScheme name="Kantoor">
+      <a:majorFont>
+        <a:latin typeface="Calibri Light" panose="020F0302020204030204"/>
+        <a:ea typeface=""/>
+        <a:cs typeface=""/>
+        <a:font script="Jpan" typeface="游ゴシック Light"/>
+        <a:font script="Hang" typeface="맑은 고딕"/>
+        <a:font script="Hans" typeface="等线 Light"/>
+        <a:font script="Hant" typeface="新細明體"/>
+        <a:font script="Arab" typeface="Times New Roman"/>
+        <a:font script="Hebr" typeface="Times New Roman"/>
+        <a:font script="Thai" typeface="Angsana New"/>
+        <a:font script="Ethi" typeface="Nyala"/>
+        <a:font script="Beng" typeface="Vrinda"/>
+        <a:font script="Gujr" typeface="Shruti"/>
+        <a:font script="Khmr" typeface="MoolBoran"/>
+        <a:font script="Knda" typeface="Tunga"/>
+        <a:font script="Guru" typeface="Raavi"/>
+        <a:font script="Cans" typeface="Euphemia"/>
+        <a:font script="Cher" typeface="Plantagenet Cherokee"/>
+        <a:font script="Yiii" typeface="Microsoft Yi Baiti"/>
+        <a:font script="Tibt" typeface="Microsoft Himalaya"/>
+        <a:font script="Thaa" typeface="MV Boli"/>
+        <a:font script="Deva" typeface="Mangal"/>
+        <a:font script="Telu" typeface="Gautami"/>
+        <a:font script="Taml" typeface="Latha"/>
+        <a:font script="Syrc" typeface="Estrangelo Edessa"/>
+        <a:font script="Orya" typeface="Kalinga"/>
+        <a:font script="Mlym" typeface="Kartika"/>
+        <a:font script="Laoo" typeface="DokChampa"/>
+        <a:font script="Sinh" typeface="Iskoola Pota"/>
+        <a:font script="Mong" typeface="Mongolian Baiti"/>
+        <a:font script="Viet" typeface="Times New Roman"/>
+        <a:font script="Uigh" typeface="Microsoft Uighur"/>
+        <a:font script="Geor" typeface="Sylfaen"/>
+        <a:font script="Armn" typeface="Arial"/>
+        <a:font script="Bugi" typeface="Leelawadee UI"/>
+        <a:font script="Bopo" typeface="Microsoft JhengHei"/>
+        <a:font script="Java" typeface="Javanese Text"/>
+        <a:font script="Lisu" typeface="Segoe UI"/>
+        <a:font script="Mymr" typeface="Myanmar Text"/>
+        <a:font script="Nkoo" typeface="Ebrima"/>
+        <a:font script="Olck" typeface="Nirmala UI"/>
+        <a:font script="Osma" typeface="Ebrima"/>
+        <a:font script="Phag" typeface="Phagspa"/>
+        <a:font script="Syrn" typeface="Estrangelo Edessa"/>
+        <a:font script="Syrj" typeface="Estrangelo Edessa"/>
+        <a:font script="Syre" typeface="Estrangelo Edessa"/>
+        <a:font script="Sora" typeface="Nirmala UI"/>
+        <a:font script="Tale" typeface="Microsoft Tai Le"/>
+        <a:font script="Talu" typeface="Microsoft New Tai Lue"/>
+        <a:font script="Tfng" typeface="Ebrima"/>
+      </a:majorFont>
+      <a:minorFont>
+        <a:latin typeface="Calibri" panose="020F0502020204030204"/>
+        <a:ea typeface=""/>
+        <a:cs typeface=""/>
+        <a:font script="Jpan" typeface="游ゴシック"/>
+        <a:font script="Hang" typeface="맑은 고딕"/>
+        <a:font script="Hans" typeface="等线"/>
+        <a:font script="Hant" typeface="新細明體"/>
+        <a:font script="Arab" typeface="Arial"/>
+        <a:font script="Hebr" typeface="Arial"/>
+        <a:font script="Thai" typeface="Cordia New"/>
+        <a:font script="Ethi" typeface="Nyala"/>
+        <a:font script="Beng" typeface="Vrinda"/>
+        <a:font script="Gujr" typeface="Shruti"/>
+        <a:font script="Khmr" typeface="DaunPenh"/>
+        <a:font script="Knda" typeface="Tunga"/>
+        <a:font script="Guru" typeface="Raavi"/>
+        <a:font script="Cans" typeface="Euphemia"/>
+        <a:font script="Cher" typeface="Plantagenet Cherokee"/>
+        <a:font script="Yiii" typeface="Microsoft Yi Baiti"/>
+        <a:font script="Tibt" typeface="Microsoft Himalaya"/>
+        <a:font script="Thaa" typeface="MV Boli"/>
+        <a:font script="Deva" typeface="Mangal"/>
+        <a:font script="Telu" typeface="Gautami"/>
+        <a:font script="Taml" typeface="Latha"/>
+        <a:font script="Syrc" typeface="Estrangelo Edessa"/>
+        <a:font script="Orya" typeface="Kalinga"/>
+        <a:font script="Mlym" typeface="Kartika"/>
+        <a:font script="Laoo" typeface="DokChampa"/>
+        <a:font script="Sinh" typeface="Iskoola Pota"/>
+        <a:font script="Mong" typeface="Mongolian Baiti"/>
+        <a:font script="Viet" typeface="Arial"/>
+        <a:font script="Uigh" typeface="Microsoft Uighur"/>
+        <a:font script="Geor" typeface="Sylfaen"/>
+        <a:font script="Armn" typeface="Arial"/>
+        <a:font script="Bugi" typeface="Leelawadee UI"/>
+        <a:font script="Bopo" typeface="Microsoft JhengHei"/>
+        <a:font script="Java" typeface="Javanese Text"/>
+        <a:font script="Lisu" typeface="Segoe UI"/>
+        <a:font script="Mymr" typeface="Myanmar Text"/>
+        <a:font script="Nkoo" typeface="Ebrima"/>
+        <a:font script="Olck" typeface="Nirmala UI"/>
+        <a:font script="Osma" typeface="Ebrima"/>
+        <a:font script="Phag" typeface="Phagspa"/>
+        <a:font script="Syrn" typeface="Estrangelo Edessa"/>
+        <a:font script="Syrj" typeface="Estrangelo Edessa"/>
+        <a:font script="Syre" typeface="Estrangelo Edessa"/>
+        <a:font script="Sora" typeface="Nirmala UI"/>
+        <a:font script="Tale" typeface="Microsoft Tai Le"/>
+        <a:font script="Talu" typeface="Microsoft New Tai Lue"/>
+        <a:font script="Tfng" typeface="Ebrima"/>
+      </a:minorFont>
+    </a:fontScheme>
+    <a:fmtScheme name="Kantoor">
+      <a:fillStyleLst>
+        <a:solidFill>
+          <a:schemeClr val="phClr"/>
+        </a:solidFill>
+        <a:gradFill rotWithShape="1">
+          <a:gsLst>
+            <a:gs pos="0">
+              <a:schemeClr val="phClr">
+                <a:lumMod val="110000"/>
+                <a:satMod val="105000"/>
+                <a:tint val="67000"/>
+              </a:schemeClr>
+            </a:gs>
+            <a:gs pos="50000">
+              <a:schemeClr val="phClr">
+                <a:lumMod val="105000"/>
+                <a:satMod val="103000"/>
+                <a:tint val="73000"/>
+              </a:schemeClr>
+            </a:gs>
+            <a:gs pos="100000">
+              <a:schemeClr val="phClr">
+                <a:lumMod val="105000"/>
+                <a:satMod val="109000"/>
+                <a:tint val="81000"/>
+              </a:schemeClr>
+            </a:gs>
+          </a:gsLst>
+          <a:lin ang="5400000" scaled="0"/>
+        </a:gradFill>
+        <a:gradFill rotWithShape="1">
+          <a:gsLst>
+            <a:gs pos="0">
+              <a:schemeClr val="phClr">
+                <a:satMod val="103000"/>
+                <a:lumMod val="102000"/>
+                <a:tint val="94000"/>
+              </a:schemeClr>
+            </a:gs>
+            <a:gs pos="50000">
+              <a:schemeClr val="phClr">
+                <a:satMod val="110000"/>
+                <a:lumMod val="100000"/>
+                <a:shade val="100000"/>
+              </a:schemeClr>
+            </a:gs>
+            <a:gs pos="100000">
+              <a:schemeClr val="phClr">
+                <a:lumMod val="99000"/>
+                <a:satMod val="120000"/>
+                <a:shade val="78000"/>
+              </a:schemeClr>
+            </a:gs>
+          </a:gsLst>
+          <a:lin ang="5400000" scaled="0"/>
+        </a:gradFill>
+      </a:fillStyleLst>
+      <a:lnStyleLst>
+        <a:ln w="6350" cap="flat" cmpd="sng" algn="ctr">
+          <a:solidFill>
+            <a:schemeClr val="phClr"/>
+          </a:solidFill>
+          <a:prstDash val="solid"/>
+          <a:miter lim="800000"/>
+        </a:ln>
+        <a:ln w="12700" cap="flat" cmpd="sng" algn="ctr">
+          <a:solidFill>
+            <a:schemeClr val="phClr"/>
+          </a:solidFill>
+          <a:prstDash val="solid"/>
+          <a:miter lim="800000"/>
+        </a:ln>
+        <a:ln w="19050" cap="flat" cmpd="sng" algn="ctr">
+          <a:solidFill>
+            <a:schemeClr val="phClr"/>
+          </a:solidFill>
+          <a:prstDash val="solid"/>
+          <a:miter lim="800000"/>
+        </a:ln>
+      </a:lnStyleLst>
+      <a:effectStyleLst>
+        <a:effectStyle>
+          <a:effectLst/>
+        </a:effectStyle>
+        <a:effectStyle>
+          <a:effectLst/>
+        </a:effectStyle>
+        <a:effectStyle>
+          <a:effectLst>
+            <a:outerShdw blurRad="57150" dist="19050" dir="5400000" algn="ctr" rotWithShape="0">
+              <a:srgbClr val="000000">
+                <a:alpha val="63000"/>
+              </a:srgbClr>
+            </a:outerShdw>
+          </a:effectLst>
+        </a:effectStyle>
+      </a:effectStyleLst>
+      <a:bgFillStyleLst>
+        <a:solidFill>
+          <a:schemeClr val="phClr"/>
+        </a:solidFill>
+        <a:solidFill>
+          <a:schemeClr val="phClr">
+            <a:tint val="95000"/>
+            <a:satMod val="170000"/>
+          </a:schemeClr>
+        </a:solidFill>
+        <a:gradFill rotWithShape="1">
+          <a:gsLst>
+            <a:gs pos="0">
+              <a:schemeClr val="phClr">
+                <a:tint val="93000"/>
+                <a:satMod val="150000"/>
+                <a:shade val="98000"/>
+                <a:lumMod val="102000"/>
+              </a:schemeClr>
+            </a:gs>
+            <a:gs pos="50000">
+              <a:schemeClr val="phClr">
+                <a:tint val="98000"/>
+                <a:satMod val="130000"/>
+                <a:shade val="90000"/>
+                <a:lumMod val="103000"/>
+              </a:schemeClr>
+            </a:gs>
+            <a:gs pos="100000">
+              <a:schemeClr val="phClr">
+                <a:shade val="63000"/>
+                <a:satMod val="120000"/>
+              </a:schemeClr>
+            </a:gs>
+          </a:gsLst>
+          <a:lin ang="5400000" scaled="0"/>
+        </a:gradFill>
+      </a:bgFillStyleLst>
+    </a:fmtScheme>
+  </a:themeElements>
+  <a:objectDefaults/>
+  <a:extraClrSchemeLst/>
+  <a:extLst>
+    <a:ext uri="{05A4C25C-085E-4340-85A3-A5531E510DB2}">
+      <thm15:themeFamily xmlns:thm15="http://schemas.microsoft.com/office/thememl/2012/main" name="Office Theme" id="{62F939B6-93AF-4DB8-9C6B-D6C7DFDC589F}" vid="{4A3C46E8-61CC-4603-A589-7422A47A8E4A}"/>
+    </a:ext>
+  </a:extLst>
+</a:theme>
 </file>
--- a/Film/Presentatie filmpje.pptx
+++ b/Film/Presentatie filmpje.pptx
@@ -2759,13 +2759,13 @@
                 <a:lumOff val="95000"/>
               </a:schemeClr>
             </a:gs>
-            <a:gs pos="78000">
+            <a:gs pos="74000">
               <a:schemeClr val="accent1">
                 <a:lumMod val="45000"/>
                 <a:lumOff val="55000"/>
               </a:schemeClr>
             </a:gs>
-            <a:gs pos="86000">
+            <a:gs pos="83000">
               <a:schemeClr val="accent1">
                 <a:lumMod val="45000"/>
                 <a:lumOff val="55000"/>
@@ -3317,41 +3317,6 @@
 <file path=ppt/slides/slide1.xml><?xml version="1.0" encoding="utf-8"?>
 <p:sld xmlns:a="http://schemas.openxmlformats.org/drawingml/2006/main" xmlns:r="http://schemas.openxmlformats.org/officeDocument/2006/relationships" xmlns:p="http://schemas.openxmlformats.org/presentationml/2006/main">
   <p:cSld>
-    <p:bg>
-      <p:bgPr>
-        <a:gradFill flip="none" rotWithShape="1">
-          <a:gsLst>
-            <a:gs pos="0">
-              <a:schemeClr val="accent1">
-                <a:lumMod val="5000"/>
-                <a:lumOff val="95000"/>
-              </a:schemeClr>
-            </a:gs>
-            <a:gs pos="74000">
-              <a:schemeClr val="accent1">
-                <a:lumMod val="45000"/>
-                <a:lumOff val="55000"/>
-              </a:schemeClr>
-            </a:gs>
-            <a:gs pos="83000">
-              <a:schemeClr val="accent1">
-                <a:lumMod val="45000"/>
-                <a:lumOff val="55000"/>
-              </a:schemeClr>
-            </a:gs>
-            <a:gs pos="100000">
-              <a:schemeClr val="accent1">
-                <a:lumMod val="30000"/>
-                <a:lumOff val="70000"/>
-              </a:schemeClr>
-            </a:gs>
-          </a:gsLst>
-          <a:lin ang="18900000" scaled="1"/>
-          <a:tileRect/>
-        </a:gradFill>
-        <a:effectLst/>
-      </p:bgPr>
-    </p:bg>
     <p:spTree>
       <p:nvGrpSpPr>
         <p:cNvPr id="1" name=""/>
@@ -3488,6 +3453,14 @@
   <p:clrMapOvr>
     <a:masterClrMapping/>
   </p:clrMapOvr>
+  <mc:AlternateContent xmlns:mc="http://schemas.openxmlformats.org/markup-compatibility/2006">
+    <mc:Choice xmlns:p14="http://schemas.microsoft.com/office/powerpoint/2010/main" Requires="p14">
+      <p:transition spd="slow" p14:dur="2000" advClick="0" advTm="3000"/>
+    </mc:Choice>
+    <mc:Fallback>
+      <p:transition spd="slow" advClick="0" advTm="3000"/>
+    </mc:Fallback>
+  </mc:AlternateContent>
   <p:timing>
     <p:tnLst>
       <p:par>
@@ -3514,7 +3487,7 @@
                               <p:par>
                                 <p:cTn id="5" presetID="53" presetClass="entr" presetSubtype="16" fill="hold" grpId="0" nodeType="afterEffect">
                                   <p:stCondLst>
-                                    <p:cond delay="1750"/>
+                                    <p:cond delay="1500"/>
                                   </p:stCondLst>
                                   <p:childTnLst>
                                     <p:set>
@@ -3537,7 +3510,7 @@
                                     </p:set>
                                     <p:anim calcmode="lin" valueType="num">
                                       <p:cBhvr>
-                                        <p:cTn id="7" dur="500" fill="hold"/>
+                                        <p:cTn id="7" dur="450" fill="hold"/>
                                         <p:tgtEl>
                                           <p:spTgt spid="4"/>
                                         </p:tgtEl>
@@ -3560,7 +3533,7 @@
                                     </p:anim>
                                     <p:anim calcmode="lin" valueType="num">
                                       <p:cBhvr>
-                                        <p:cTn id="8" dur="500" fill="hold"/>
+                                        <p:cTn id="8" dur="450" fill="hold"/>
                                         <p:tgtEl>
                                           <p:spTgt spid="4"/>
                                         </p:tgtEl>
@@ -3583,7 +3556,7 @@
                                     </p:anim>
                                     <p:animEffect transition="in" filter="fade">
                                       <p:cBhvr>
-                                        <p:cTn id="9" dur="500"/>
+                                        <p:cTn id="9" dur="450"/>
                                         <p:tgtEl>
                                           <p:spTgt spid="4"/>
                                         </p:tgtEl>
@@ -3598,13 +3571,13 @@
                         <p:par>
                           <p:cTn id="10" fill="hold">
                             <p:stCondLst>
-                              <p:cond delay="2250"/>
+                              <p:cond delay="1950"/>
                             </p:stCondLst>
                             <p:childTnLst>
                               <p:par>
                                 <p:cTn id="11" presetID="1" presetClass="entr" presetSubtype="0" fill="hold" grpId="0" nodeType="afterEffect">
                                   <p:stCondLst>
-                                    <p:cond delay="500"/>
+                                    <p:cond delay="750"/>
                                   </p:stCondLst>
                                   <p:childTnLst>
                                     <p:set>
@@ -3979,12 +3952,12 @@
   </p:clrMapOvr>
   <mc:AlternateContent xmlns:mc="http://schemas.openxmlformats.org/markup-compatibility/2006">
     <mc:Choice xmlns:p14="http://schemas.microsoft.com/office/powerpoint/2010/main" Requires="p14">
-      <p:transition spd="med" p14:dur="700" advTm="5000">
+      <p:transition spd="med" p14:dur="700">
         <p:fade/>
       </p:transition>
     </mc:Choice>
     <mc:Fallback>
-      <p:transition spd="med" advTm="5000">
+      <p:transition spd="med">
         <p:fade/>
       </p:transition>
     </mc:Fallback>
@@ -4037,7 +4010,7 @@
                               <p:par>
                                 <p:cTn id="7" presetID="10" presetClass="entr" presetSubtype="0" fill="hold" grpId="0" nodeType="withEffect">
                                   <p:stCondLst>
-                                    <p:cond delay="0"/>
+                                    <p:cond delay="200"/>
                                   </p:stCondLst>
                                   <p:childTnLst>
                                     <p:set>
